--- a/04_lambda.pptx
+++ b/04_lambda.pptx
@@ -276,7 +276,7 @@
           <a:p>
             <a:fld id="{7952453C-A5FB-4FDE-A708-76FC0F8C47D7}" type="datetimeFigureOut">
               <a:rPr lang="zh-CN" altLang="en-US" smtClean="0"/>
-              <a:t>2024/9/17</a:t>
+              <a:t>2024/9/28</a:t>
             </a:fld>
             <a:endParaRPr lang="zh-CN" altLang="en-US"/>
           </a:p>
@@ -1816,7 +1816,7 @@
           <a:p>
             <a:fld id="{B797416A-26F7-4D36-8ACC-1F8188085B70}" type="datetimeFigureOut">
               <a:rPr lang="zh-CN" altLang="en-US" smtClean="0"/>
-              <a:t>2024/9/17</a:t>
+              <a:t>2024/9/28</a:t>
             </a:fld>
             <a:endParaRPr lang="zh-CN" altLang="en-US"/>
           </a:p>
@@ -1986,7 +1986,7 @@
           <a:p>
             <a:fld id="{B797416A-26F7-4D36-8ACC-1F8188085B70}" type="datetimeFigureOut">
               <a:rPr lang="zh-CN" altLang="en-US" smtClean="0"/>
-              <a:t>2024/9/17</a:t>
+              <a:t>2024/9/28</a:t>
             </a:fld>
             <a:endParaRPr lang="zh-CN" altLang="en-US"/>
           </a:p>
@@ -2166,7 +2166,7 @@
           <a:p>
             <a:fld id="{B797416A-26F7-4D36-8ACC-1F8188085B70}" type="datetimeFigureOut">
               <a:rPr lang="zh-CN" altLang="en-US" smtClean="0"/>
-              <a:t>2024/9/17</a:t>
+              <a:t>2024/9/28</a:t>
             </a:fld>
             <a:endParaRPr lang="zh-CN" altLang="en-US"/>
           </a:p>
@@ -2336,7 +2336,7 @@
           <a:p>
             <a:fld id="{B797416A-26F7-4D36-8ACC-1F8188085B70}" type="datetimeFigureOut">
               <a:rPr lang="zh-CN" altLang="en-US" smtClean="0"/>
-              <a:t>2024/9/17</a:t>
+              <a:t>2024/9/28</a:t>
             </a:fld>
             <a:endParaRPr lang="zh-CN" altLang="en-US"/>
           </a:p>
@@ -2580,7 +2580,7 @@
           <a:p>
             <a:fld id="{B797416A-26F7-4D36-8ACC-1F8188085B70}" type="datetimeFigureOut">
               <a:rPr lang="zh-CN" altLang="en-US" smtClean="0"/>
-              <a:t>2024/9/17</a:t>
+              <a:t>2024/9/28</a:t>
             </a:fld>
             <a:endParaRPr lang="zh-CN" altLang="en-US"/>
           </a:p>
@@ -2812,7 +2812,7 @@
           <a:p>
             <a:fld id="{B797416A-26F7-4D36-8ACC-1F8188085B70}" type="datetimeFigureOut">
               <a:rPr lang="zh-CN" altLang="en-US" smtClean="0"/>
-              <a:t>2024/9/17</a:t>
+              <a:t>2024/9/28</a:t>
             </a:fld>
             <a:endParaRPr lang="zh-CN" altLang="en-US"/>
           </a:p>
@@ -3179,7 +3179,7 @@
           <a:p>
             <a:fld id="{B797416A-26F7-4D36-8ACC-1F8188085B70}" type="datetimeFigureOut">
               <a:rPr lang="zh-CN" altLang="en-US" smtClean="0"/>
-              <a:t>2024/9/17</a:t>
+              <a:t>2024/9/28</a:t>
             </a:fld>
             <a:endParaRPr lang="zh-CN" altLang="en-US"/>
           </a:p>
@@ -3297,7 +3297,7 @@
           <a:p>
             <a:fld id="{B797416A-26F7-4D36-8ACC-1F8188085B70}" type="datetimeFigureOut">
               <a:rPr lang="zh-CN" altLang="en-US" smtClean="0"/>
-              <a:t>2024/9/17</a:t>
+              <a:t>2024/9/28</a:t>
             </a:fld>
             <a:endParaRPr lang="zh-CN" altLang="en-US"/>
           </a:p>
@@ -3392,7 +3392,7 @@
           <a:p>
             <a:fld id="{B797416A-26F7-4D36-8ACC-1F8188085B70}" type="datetimeFigureOut">
               <a:rPr lang="zh-CN" altLang="en-US" smtClean="0"/>
-              <a:t>2024/9/17</a:t>
+              <a:t>2024/9/28</a:t>
             </a:fld>
             <a:endParaRPr lang="zh-CN" altLang="en-US"/>
           </a:p>
@@ -3669,7 +3669,7 @@
           <a:p>
             <a:fld id="{B797416A-26F7-4D36-8ACC-1F8188085B70}" type="datetimeFigureOut">
               <a:rPr lang="zh-CN" altLang="en-US" smtClean="0"/>
-              <a:t>2024/9/17</a:t>
+              <a:t>2024/9/28</a:t>
             </a:fld>
             <a:endParaRPr lang="zh-CN" altLang="en-US"/>
           </a:p>
@@ -3926,7 +3926,7 @@
           <a:p>
             <a:fld id="{B797416A-26F7-4D36-8ACC-1F8188085B70}" type="datetimeFigureOut">
               <a:rPr lang="zh-CN" altLang="en-US" smtClean="0"/>
-              <a:t>2024/9/17</a:t>
+              <a:t>2024/9/28</a:t>
             </a:fld>
             <a:endParaRPr lang="zh-CN" altLang="en-US"/>
           </a:p>
@@ -4139,7 +4139,7 @@
           <a:p>
             <a:fld id="{B797416A-26F7-4D36-8ACC-1F8188085B70}" type="datetimeFigureOut">
               <a:rPr lang="zh-CN" altLang="en-US" smtClean="0"/>
-              <a:t>2024/9/17</a:t>
+              <a:t>2024/9/28</a:t>
             </a:fld>
             <a:endParaRPr lang="zh-CN" altLang="en-US"/>
           </a:p>
@@ -16878,7 +16878,7 @@
               <a:rPr lang="en-US" altLang="zh-CN" sz="2400" dirty="0">
                 <a:sym typeface="Symbol" panose="05050102010706020507" pitchFamily="18" charset="2"/>
               </a:rPr>
-              <a:t> </a:t>
+              <a:t> ( x.</a:t>
             </a:r>
             <a:r>
               <a:rPr lang="en-US" altLang="zh-CN" sz="2400" dirty="0">
@@ -16887,7 +16887,22 @@
                 </a:solidFill>
                 <a:sym typeface="Symbol" panose="05050102010706020507" pitchFamily="18" charset="2"/>
               </a:rPr>
-              <a:t>( x. (y. y+1) (x+1) ) </a:t>
+              <a:t> (y. y+1) (x+1) </a:t>
+            </a:r>
+            <a:r>
+              <a:rPr lang="en-US" altLang="zh-CN" sz="2400" dirty="0">
+                <a:sym typeface="Symbol" panose="05050102010706020507" pitchFamily="18" charset="2"/>
+              </a:rPr>
+              <a:t>)</a:t>
+            </a:r>
+            <a:r>
+              <a:rPr lang="en-US" altLang="zh-CN" sz="2400" dirty="0">
+                <a:solidFill>
+                  <a:srgbClr val="FF0000"/>
+                </a:solidFill>
+                <a:sym typeface="Symbol" panose="05050102010706020507" pitchFamily="18" charset="2"/>
+              </a:rPr>
+              <a:t> </a:t>
             </a:r>
             <a:r>
               <a:rPr lang="en-US" altLang="zh-CN" sz="2400" dirty="0">
@@ -42154,23 +42169,7 @@
             </a:pPr>
             <a:r>
               <a:rPr lang="en-US" altLang="zh-CN" dirty="0"/>
-              <a:t>Church’s </a:t>
-            </a:r>
-            <a:r>
-              <a:rPr lang="en-US" altLang="zh-CN" dirty="0" err="1"/>
-              <a:t>fixpoint</a:t>
-            </a:r>
-            <a:r>
-              <a:rPr lang="en-US" altLang="zh-CN" dirty="0"/>
-              <a:t> </a:t>
-            </a:r>
-            <a:r>
-              <a:rPr lang="en-US" altLang="zh-CN" dirty="0" err="1"/>
-              <a:t>combinator</a:t>
-            </a:r>
-            <a:r>
-              <a:rPr lang="en-US" altLang="zh-CN" dirty="0"/>
-              <a:t> </a:t>
+              <a:t>Curry’s fixpoint combinator </a:t>
             </a:r>
             <a:r>
               <a:rPr lang="en-US" altLang="zh-CN" b="1" dirty="0"/>
@@ -42448,8 +42447,8 @@
           </a:p>
         </p:txBody>
       </p:sp>
-      <mc:AlternateContent xmlns:mc="http://schemas.openxmlformats.org/markup-compatibility/2006">
-        <mc:Choice xmlns:a14="http://schemas.microsoft.com/office/drawing/2010/main" Requires="a14">
+      <mc:AlternateContent xmlns:mc="http://schemas.openxmlformats.org/markup-compatibility/2006" xmlns:a14="http://schemas.microsoft.com/office/drawing/2010/main">
+        <mc:Choice Requires="a14">
           <p:sp>
             <p:nvSpPr>
               <p:cNvPr id="3" name="内容占位符 2"/>
@@ -42551,7 +42550,7 @@
             </p:txBody>
           </p:sp>
         </mc:Choice>
-        <mc:Fallback>
+        <mc:Fallback xmlns="">
           <p:sp>
             <p:nvSpPr>
               <p:cNvPr id="3" name="内容占位符 2"/>
